--- a/Doraemon Explorer Hub with Web Api/DoraeMon explorer hub.pptx
+++ b/Doraemon Explorer Hub with Web Api/DoraeMon explorer hub.pptx
@@ -12,6 +12,7 @@
     <p:sldId id="260" r:id="rId6"/>
     <p:sldId id="261" r:id="rId7"/>
     <p:sldId id="262" r:id="rId8"/>
+    <p:sldId id="263" r:id="rId9"/>
   </p:sldIdLst>
   <p:sldSz cx="12192000" cy="6858000"/>
   <p:notesSz cx="6858000" cy="9144000"/>
@@ -419,7 +420,7 @@
           <a:p>
             <a:fld id="{48A87A34-81AB-432B-8DAE-1953F412C126}" type="datetimeFigureOut">
               <a:rPr lang="en-US" dirty="0"/>
-              <a:t>3/28/2024</a:t>
+              <a:t>3/29/2024</a:t>
             </a:fld>
             <a:endParaRPr lang="en-US" dirty="0"/>
           </a:p>
@@ -625,7 +626,7 @@
           <a:p>
             <a:fld id="{48A87A34-81AB-432B-8DAE-1953F412C126}" type="datetimeFigureOut">
               <a:rPr lang="en-US" dirty="0"/>
-              <a:t>3/28/2024</a:t>
+              <a:t>3/29/2024</a:t>
             </a:fld>
             <a:endParaRPr lang="en-US" dirty="0"/>
           </a:p>
@@ -835,7 +836,7 @@
           <a:p>
             <a:fld id="{48A87A34-81AB-432B-8DAE-1953F412C126}" type="datetimeFigureOut">
               <a:rPr lang="en-US" dirty="0"/>
-              <a:t>3/28/2024</a:t>
+              <a:t>3/29/2024</a:t>
             </a:fld>
             <a:endParaRPr lang="en-US" dirty="0"/>
           </a:p>
@@ -1031,7 +1032,7 @@
           <a:p>
             <a:fld id="{48A87A34-81AB-432B-8DAE-1953F412C126}" type="datetimeFigureOut">
               <a:rPr lang="en-US" dirty="0"/>
-              <a:t>3/28/2024</a:t>
+              <a:t>3/29/2024</a:t>
             </a:fld>
             <a:endParaRPr lang="en-US" dirty="0"/>
           </a:p>
@@ -1305,7 +1306,7 @@
           <a:p>
             <a:fld id="{48A87A34-81AB-432B-8DAE-1953F412C126}" type="datetimeFigureOut">
               <a:rPr lang="en-US" dirty="0"/>
-              <a:t>3/28/2024</a:t>
+              <a:t>3/29/2024</a:t>
             </a:fld>
             <a:endParaRPr lang="en-US" dirty="0"/>
           </a:p>
@@ -1568,7 +1569,7 @@
           <a:p>
             <a:fld id="{48A87A34-81AB-432B-8DAE-1953F412C126}" type="datetimeFigureOut">
               <a:rPr lang="en-US" dirty="0"/>
-              <a:t>3/28/2024</a:t>
+              <a:t>3/29/2024</a:t>
             </a:fld>
             <a:endParaRPr lang="en-US" dirty="0"/>
           </a:p>
@@ -1979,7 +1980,7 @@
           <a:p>
             <a:fld id="{48A87A34-81AB-432B-8DAE-1953F412C126}" type="datetimeFigureOut">
               <a:rPr lang="en-US" dirty="0"/>
-              <a:t>3/28/2024</a:t>
+              <a:t>3/29/2024</a:t>
             </a:fld>
             <a:endParaRPr lang="en-US" dirty="0"/>
           </a:p>
@@ -2123,7 +2124,7 @@
           <a:p>
             <a:fld id="{48A87A34-81AB-432B-8DAE-1953F412C126}" type="datetimeFigureOut">
               <a:rPr lang="en-US" dirty="0"/>
-              <a:t>3/28/2024</a:t>
+              <a:t>3/29/2024</a:t>
             </a:fld>
             <a:endParaRPr lang="en-US" dirty="0"/>
           </a:p>
@@ -2244,7 +2245,7 @@
           <a:p>
             <a:fld id="{48A87A34-81AB-432B-8DAE-1953F412C126}" type="datetimeFigureOut">
               <a:rPr lang="en-US" dirty="0"/>
-              <a:t>3/28/2024</a:t>
+              <a:t>3/29/2024</a:t>
             </a:fld>
             <a:endParaRPr lang="en-US" dirty="0"/>
           </a:p>
@@ -2490,7 +2491,7 @@
           <a:p>
             <a:fld id="{48A87A34-81AB-432B-8DAE-1953F412C126}" type="datetimeFigureOut">
               <a:rPr lang="en-US" dirty="0"/>
-              <a:t>3/28/2024</a:t>
+              <a:t>3/29/2024</a:t>
             </a:fld>
             <a:endParaRPr lang="en-US" dirty="0"/>
           </a:p>
@@ -2931,7 +2932,7 @@
             <a:fld id="{48A87A34-81AB-432B-8DAE-1953F412C126}" type="datetimeFigureOut">
               <a:rPr lang="en-US" dirty="0"/>
               <a:pPr/>
-              <a:t>3/28/2024</a:t>
+              <a:t>3/29/2024</a:t>
             </a:fld>
             <a:endParaRPr lang="en-US" dirty="0"/>
           </a:p>
@@ -3254,7 +3255,7 @@
             <a:fld id="{48A87A34-81AB-432B-8DAE-1953F412C126}" type="datetimeFigureOut">
               <a:rPr lang="en-US" dirty="0"/>
               <a:pPr/>
-              <a:t>3/28/2024</a:t>
+              <a:t>3/29/2024</a:t>
             </a:fld>
             <a:endParaRPr lang="en-US" dirty="0"/>
           </a:p>
@@ -5540,8 +5541,8 @@
           </a:fontRef>
         </p:style>
       </p:cxnSp>
-      <mc:AlternateContent xmlns:mc="http://schemas.openxmlformats.org/markup-compatibility/2006">
-        <mc:Choice xmlns:p14="http://schemas.microsoft.com/office/powerpoint/2010/main" Requires="p14">
+      <mc:AlternateContent xmlns:mc="http://schemas.openxmlformats.org/markup-compatibility/2006" xmlns:p14="http://schemas.microsoft.com/office/powerpoint/2010/main">
+        <mc:Choice Requires="p14">
           <p:contentPart p14:bwMode="auto" r:id="rId2">
             <p14:nvContentPartPr>
               <p14:cNvPr id="61" name="Ink 60">
@@ -5560,7 +5561,7 @@
             </p14:xfrm>
           </p:contentPart>
         </mc:Choice>
-        <mc:Fallback>
+        <mc:Fallback xmlns="">
           <p:pic>
             <p:nvPicPr>
               <p:cNvPr id="61" name="Ink 60">
@@ -5591,8 +5592,8 @@
           </p:pic>
         </mc:Fallback>
       </mc:AlternateContent>
-      <mc:AlternateContent xmlns:mc="http://schemas.openxmlformats.org/markup-compatibility/2006">
-        <mc:Choice xmlns:p14="http://schemas.microsoft.com/office/powerpoint/2010/main" Requires="p14">
+      <mc:AlternateContent xmlns:mc="http://schemas.openxmlformats.org/markup-compatibility/2006" xmlns:p14="http://schemas.microsoft.com/office/powerpoint/2010/main">
+        <mc:Choice Requires="p14">
           <p:contentPart p14:bwMode="auto" r:id="rId4">
             <p14:nvContentPartPr>
               <p14:cNvPr id="62" name="Ink 61">
@@ -5611,7 +5612,7 @@
             </p14:xfrm>
           </p:contentPart>
         </mc:Choice>
-        <mc:Fallback>
+        <mc:Fallback xmlns="">
           <p:pic>
             <p:nvPicPr>
               <p:cNvPr id="62" name="Ink 61">
@@ -5642,8 +5643,8 @@
           </p:pic>
         </mc:Fallback>
       </mc:AlternateContent>
-      <mc:AlternateContent xmlns:mc="http://schemas.openxmlformats.org/markup-compatibility/2006">
-        <mc:Choice xmlns:p14="http://schemas.microsoft.com/office/powerpoint/2010/main" Requires="p14">
+      <mc:AlternateContent xmlns:mc="http://schemas.openxmlformats.org/markup-compatibility/2006" xmlns:p14="http://schemas.microsoft.com/office/powerpoint/2010/main">
+        <mc:Choice Requires="p14">
           <p:contentPart p14:bwMode="auto" r:id="rId6">
             <p14:nvContentPartPr>
               <p14:cNvPr id="67" name="Ink 66">
@@ -5662,7 +5663,7 @@
             </p14:xfrm>
           </p:contentPart>
         </mc:Choice>
-        <mc:Fallback>
+        <mc:Fallback xmlns="">
           <p:pic>
             <p:nvPicPr>
               <p:cNvPr id="67" name="Ink 66">
@@ -5693,8 +5694,8 @@
           </p:pic>
         </mc:Fallback>
       </mc:AlternateContent>
-      <mc:AlternateContent xmlns:mc="http://schemas.openxmlformats.org/markup-compatibility/2006">
-        <mc:Choice xmlns:p14="http://schemas.microsoft.com/office/powerpoint/2010/main" Requires="p14">
+      <mc:AlternateContent xmlns:mc="http://schemas.openxmlformats.org/markup-compatibility/2006" xmlns:p14="http://schemas.microsoft.com/office/powerpoint/2010/main">
+        <mc:Choice Requires="p14">
           <p:contentPart p14:bwMode="auto" r:id="rId8">
             <p14:nvContentPartPr>
               <p14:cNvPr id="68" name="Ink 67">
@@ -5713,7 +5714,7 @@
             </p14:xfrm>
           </p:contentPart>
         </mc:Choice>
-        <mc:Fallback>
+        <mc:Fallback xmlns="">
           <p:pic>
             <p:nvPicPr>
               <p:cNvPr id="68" name="Ink 67">
@@ -5744,8 +5745,8 @@
           </p:pic>
         </mc:Fallback>
       </mc:AlternateContent>
-      <mc:AlternateContent xmlns:mc="http://schemas.openxmlformats.org/markup-compatibility/2006">
-        <mc:Choice xmlns:p14="http://schemas.microsoft.com/office/powerpoint/2010/main" Requires="p14">
+      <mc:AlternateContent xmlns:mc="http://schemas.openxmlformats.org/markup-compatibility/2006" xmlns:p14="http://schemas.microsoft.com/office/powerpoint/2010/main">
+        <mc:Choice Requires="p14">
           <p:contentPart p14:bwMode="auto" r:id="rId10">
             <p14:nvContentPartPr>
               <p14:cNvPr id="69" name="Ink 68">
@@ -5764,7 +5765,7 @@
             </p14:xfrm>
           </p:contentPart>
         </mc:Choice>
-        <mc:Fallback>
+        <mc:Fallback xmlns="">
           <p:pic>
             <p:nvPicPr>
               <p:cNvPr id="69" name="Ink 68">
@@ -5795,8 +5796,8 @@
           </p:pic>
         </mc:Fallback>
       </mc:AlternateContent>
-      <mc:AlternateContent xmlns:mc="http://schemas.openxmlformats.org/markup-compatibility/2006">
-        <mc:Choice xmlns:p14="http://schemas.microsoft.com/office/powerpoint/2010/main" Requires="p14">
+      <mc:AlternateContent xmlns:mc="http://schemas.openxmlformats.org/markup-compatibility/2006" xmlns:p14="http://schemas.microsoft.com/office/powerpoint/2010/main">
+        <mc:Choice Requires="p14">
           <p:contentPart p14:bwMode="auto" r:id="rId12">
             <p14:nvContentPartPr>
               <p14:cNvPr id="70" name="Ink 69">
@@ -5815,7 +5816,7 @@
             </p14:xfrm>
           </p:contentPart>
         </mc:Choice>
-        <mc:Fallback>
+        <mc:Fallback xmlns="">
           <p:pic>
             <p:nvPicPr>
               <p:cNvPr id="70" name="Ink 69">
@@ -6752,6 +6753,71 @@
     <p:extLst>
       <p:ext uri="{BB962C8B-B14F-4D97-AF65-F5344CB8AC3E}">
         <p14:creationId xmlns:p14="http://schemas.microsoft.com/office/powerpoint/2010/main" val="3622981167"/>
+      </p:ext>
+    </p:extLst>
+  </p:cSld>
+  <p:clrMapOvr>
+    <a:masterClrMapping/>
+  </p:clrMapOvr>
+</p:sld>
+</file>
+
+<file path=ppt/slides/slide8.xml><?xml version="1.0" encoding="utf-8"?>
+<p:sld xmlns:a="http://schemas.openxmlformats.org/drawingml/2006/main" xmlns:r="http://schemas.openxmlformats.org/officeDocument/2006/relationships" xmlns:p="http://schemas.openxmlformats.org/presentationml/2006/main">
+  <p:cSld>
+    <p:spTree>
+      <p:nvGrpSpPr>
+        <p:cNvPr id="1" name=""/>
+        <p:cNvGrpSpPr/>
+        <p:nvPr/>
+      </p:nvGrpSpPr>
+      <p:grpSpPr>
+        <a:xfrm>
+          <a:off x="0" y="0"/>
+          <a:ext cx="0" cy="0"/>
+          <a:chOff x="0" y="0"/>
+          <a:chExt cx="0" cy="0"/>
+        </a:xfrm>
+      </p:grpSpPr>
+      <p:sp>
+        <p:nvSpPr>
+          <p:cNvPr id="2" name="TextBox 1">
+            <a:extLst>
+              <a:ext uri="{FF2B5EF4-FFF2-40B4-BE49-F238E27FC236}">
+                <a16:creationId xmlns:a16="http://schemas.microsoft.com/office/drawing/2014/main" id="{AB8CF5B0-1EB6-E34B-F675-EB996C1C23CA}"/>
+              </a:ext>
+            </a:extLst>
+          </p:cNvPr>
+          <p:cNvSpPr txBox="1"/>
+          <p:nvPr/>
+        </p:nvSpPr>
+        <p:spPr>
+          <a:xfrm>
+            <a:off x="2244061" y="2030790"/>
+            <a:ext cx="7778668" cy="1569660"/>
+          </a:xfrm>
+          <a:prstGeom prst="rect">
+            <a:avLst/>
+          </a:prstGeom>
+          <a:noFill/>
+        </p:spPr>
+        <p:txBody>
+          <a:bodyPr wrap="none" rtlCol="0">
+            <a:spAutoFit/>
+          </a:bodyPr>
+          <a:lstStyle/>
+          <a:p>
+            <a:r>
+              <a:rPr lang="en-IN" sz="9600" dirty="0"/>
+              <a:t>THANK  YOU!</a:t>
+            </a:r>
+          </a:p>
+        </p:txBody>
+      </p:sp>
+    </p:spTree>
+    <p:extLst>
+      <p:ext uri="{BB962C8B-B14F-4D97-AF65-F5344CB8AC3E}">
+        <p14:creationId xmlns:p14="http://schemas.microsoft.com/office/powerpoint/2010/main" val="2054828044"/>
       </p:ext>
     </p:extLst>
   </p:cSld>
